--- a/docs/Poster.pptx
+++ b/docs/Poster.pptx
@@ -225,7 +225,7 @@
             <a:fld id="{0158C5BC-9A70-462C-B28D-9600239EAC64}" type="datetimeFigureOut">
               <a:rPr lang="en-US" smtClean="0"/>
               <a:pPr/>
-              <a:t>4/13/2022</a:t>
+              <a:t>4/19/2022</a:t>
             </a:fld>
             <a:endParaRPr lang="en-US"/>
           </a:p>
@@ -392,7 +392,7 @@
             <a:fld id="{E6CC2317-6751-4CD4-9995-8782DD78E936}" type="datetimeFigureOut">
               <a:rPr lang="en-US" smtClean="0"/>
               <a:pPr/>
-              <a:t>4/13/2022</a:t>
+              <a:t>4/19/2022</a:t>
             </a:fld>
             <a:endParaRPr lang="en-US" dirty="0"/>
           </a:p>
@@ -5547,6 +5547,7 @@
                 </a:r>
               </a:p>
               <a:p>
+                <a:pPr/>
                 <a14:m>
                   <m:oMathPara xmlns:m="http://schemas.openxmlformats.org/officeDocument/2006/math">
                     <m:oMathParaPr>
@@ -5702,17 +5703,7 @@
                           <a:latin typeface="Cambria Math" panose="02040503050406030204" pitchFamily="18" charset="0"/>
                           <a:ea typeface="Cambria Math" panose="02040503050406030204" pitchFamily="18" charset="0"/>
                         </a:rPr>
-                        <m:t>≈</m:t>
-                      </m:r>
-                      <m:r>
-                        <a:rPr lang="en-US" i="1">
-                          <a:solidFill>
-                            <a:schemeClr val="tx1"/>
-                          </a:solidFill>
-                          <a:latin typeface="Cambria Math" panose="02040503050406030204" pitchFamily="18" charset="0"/>
-                          <a:ea typeface="Cambria Math" panose="02040503050406030204" pitchFamily="18" charset="0"/>
-                        </a:rPr>
-                        <m:t>3.59817</m:t>
+                        <m:t>≈3.59817</m:t>
                       </m:r>
                       <m:r>
                         <a:rPr lang="en-US" i="1" smtClean="0">
@@ -5769,7 +5760,7 @@
                     </a:solidFill>
                     <a:latin typeface="Times New Roman" panose="02020603050405020304" pitchFamily="18" charset="0"/>
                   </a:rPr>
-                  <a:t>The LiDAR measures the distance of an objects in meters. This information and the angle measurement is stored in a Python tuple as (angle measurement from 0°, distance from objects in meters). </a:t>
+                  <a:t>The LiDAR measures the distance of an object in meters. This information and the angle measurement is stored in a Python tuple as (angle measurement from 0°, distance from objects in meters). </a:t>
                 </a:r>
               </a:p>
             </p:txBody>
@@ -5848,8 +5839,8 @@
           </a:prstGeom>
         </p:spPr>
       </p:pic>
-      <mc:AlternateContent xmlns:mc="http://schemas.openxmlformats.org/markup-compatibility/2006">
-        <mc:Choice xmlns:a14="http://schemas.microsoft.com/office/drawing/2010/main" Requires="a14">
+      <mc:AlternateContent xmlns:mc="http://schemas.openxmlformats.org/markup-compatibility/2006" xmlns:a14="http://schemas.microsoft.com/office/drawing/2010/main">
+        <mc:Choice Requires="a14">
           <p:sp>
             <p:nvSpPr>
               <p:cNvPr id="42" name="Text Placeholder 3">
@@ -6179,6 +6170,7 @@
                 </a:r>
               </a:p>
               <a:p>
+                <a:pPr/>
                 <a14:m>
                   <m:oMathPara xmlns:m="http://schemas.openxmlformats.org/officeDocument/2006/math">
                     <m:oMathParaPr>
@@ -6312,6 +6304,7 @@
                 </a:r>
               </a:p>
               <a:p>
+                <a:pPr/>
                 <a14:m>
                   <m:oMathPara xmlns:m="http://schemas.openxmlformats.org/officeDocument/2006/math">
                     <m:oMathParaPr>
@@ -6473,6 +6466,7 @@
                 </a:r>
               </a:p>
               <a:p>
+                <a:pPr/>
                 <a14:m>
                   <m:oMathPara xmlns:m="http://schemas.openxmlformats.org/officeDocument/2006/math">
                     <m:oMathParaPr>
@@ -6653,6 +6647,7 @@
                 </a:r>
               </a:p>
               <a:p>
+                <a:pPr/>
                 <a14:m>
                   <m:oMathPara xmlns:m="http://schemas.openxmlformats.org/officeDocument/2006/math">
                     <m:oMathParaPr>
@@ -6814,7 +6809,7 @@
             </p:txBody>
           </p:sp>
         </mc:Choice>
-        <mc:Fallback>
+        <mc:Fallback xmlns="">
           <p:sp>
             <p:nvSpPr>
               <p:cNvPr id="42" name="Text Placeholder 3">
@@ -7649,8 +7644,8 @@
         </p:nvSpPr>
         <p:spPr bwMode="auto">
           <a:xfrm>
-            <a:off x="33299406" y="25114718"/>
-            <a:ext cx="10204855" cy="7848302"/>
+            <a:off x="33344848" y="25251236"/>
+            <a:ext cx="10204855" cy="7232749"/>
           </a:xfrm>
           <a:prstGeom prst="rect">
             <a:avLst/>
@@ -7869,7 +7864,7 @@
               </a:tabLst>
             </a:pPr>
             <a:r>
-              <a:rPr kumimoji="0" lang="en-US" altLang="en-US" sz="2800" b="0" i="0" u="none" strike="noStrike" cap="none" normalizeH="0" baseline="0" dirty="0">
+              <a:rPr kumimoji="0" lang="en-US" altLang="en-US" sz="1600" b="0" i="0" u="none" strike="noStrike" cap="none" normalizeH="0" baseline="0" dirty="0">
                 <a:ln>
                   <a:noFill/>
                 </a:ln>
@@ -7884,7 +7879,7 @@
               <a:t>Albert </a:t>
             </a:r>
             <a:r>
-              <a:rPr kumimoji="0" lang="en-US" altLang="en-US" sz="2800" b="0" i="0" u="none" strike="noStrike" cap="none" normalizeH="0" baseline="0" dirty="0" err="1">
+              <a:rPr kumimoji="0" lang="en-US" altLang="en-US" sz="1600" b="0" i="0" u="none" strike="noStrike" cap="none" normalizeH="0" baseline="0" dirty="0" err="1">
                 <a:ln>
                   <a:noFill/>
                 </a:ln>
@@ -7899,7 +7894,7 @@
               <a:t>Alfrianta</a:t>
             </a:r>
             <a:r>
-              <a:rPr kumimoji="0" lang="en-US" altLang="en-US" sz="2800" b="0" i="0" u="none" strike="noStrike" cap="none" normalizeH="0" baseline="0" dirty="0">
+              <a:rPr kumimoji="0" lang="en-US" altLang="en-US" sz="1600" b="0" i="0" u="none" strike="noStrike" cap="none" normalizeH="0" baseline="0" dirty="0">
                 <a:ln>
                   <a:noFill/>
                 </a:ln>
@@ -7914,7 +7909,7 @@
               <a:t>. 2021. Simple avoidance algorithm, implemented on e-puck robot and simulated on </a:t>
             </a:r>
             <a:r>
-              <a:rPr kumimoji="0" lang="en-US" altLang="en-US" sz="2800" b="0" i="0" u="none" strike="noStrike" cap="none" normalizeH="0" baseline="0" dirty="0" err="1">
+              <a:rPr kumimoji="0" lang="en-US" altLang="en-US" sz="1600" b="0" i="0" u="none" strike="noStrike" cap="none" normalizeH="0" baseline="0" dirty="0" err="1">
                 <a:ln>
                   <a:noFill/>
                 </a:ln>
@@ -7929,7 +7924,7 @@
               <a:t>Webots</a:t>
             </a:r>
             <a:r>
-              <a:rPr kumimoji="0" lang="en-US" altLang="en-US" sz="2800" b="0" i="0" u="none" strike="noStrike" cap="none" normalizeH="0" baseline="0" dirty="0">
+              <a:rPr kumimoji="0" lang="en-US" altLang="en-US" sz="1600" b="0" i="0" u="none" strike="noStrike" cap="none" normalizeH="0" baseline="0" dirty="0">
                 <a:ln>
                   <a:noFill/>
                 </a:ln>
@@ -7961,7 +7956,7 @@
                 <a:tab pos="228600" algn="l"/>
               </a:tabLst>
             </a:pPr>
-            <a:endParaRPr kumimoji="0" lang="en-US" altLang="en-US" sz="2800" b="0" i="0" u="none" strike="noStrike" cap="none" normalizeH="0" baseline="0" dirty="0">
+            <a:endParaRPr kumimoji="0" lang="en-US" altLang="en-US" sz="1600" b="0" i="0" u="none" strike="noStrike" cap="none" normalizeH="0" baseline="0" dirty="0">
               <a:ln>
                 <a:noFill/>
               </a:ln>
@@ -7991,7 +7986,7 @@
               </a:tabLst>
             </a:pPr>
             <a:r>
-              <a:rPr kumimoji="0" lang="en-US" altLang="en-US" sz="2800" b="0" i="0" u="none" strike="noStrike" cap="none" normalizeH="0" baseline="0" dirty="0" err="1">
+              <a:rPr kumimoji="0" lang="en-US" altLang="en-US" sz="1600" b="0" i="0" u="none" strike="noStrike" cap="none" normalizeH="0" baseline="0" dirty="0" err="1">
                 <a:ln>
                   <a:noFill/>
                 </a:ln>
@@ -8006,7 +8001,7 @@
               <a:t>Cyberbotics</a:t>
             </a:r>
             <a:r>
-              <a:rPr kumimoji="0" lang="en-US" altLang="en-US" sz="2800" b="0" i="0" u="none" strike="noStrike" cap="none" normalizeH="0" baseline="0" dirty="0">
+              <a:rPr kumimoji="0" lang="en-US" altLang="en-US" sz="1600" b="0" i="0" u="none" strike="noStrike" cap="none" normalizeH="0" baseline="0" dirty="0">
                 <a:ln>
                   <a:noFill/>
                 </a:ln>
@@ -8021,7 +8016,7 @@
               <a:t>. 1998. </a:t>
             </a:r>
             <a:r>
-              <a:rPr kumimoji="0" lang="en-US" altLang="en-US" sz="2800" b="0" i="0" u="none" strike="noStrike" cap="none" normalizeH="0" baseline="0" dirty="0" err="1">
+              <a:rPr kumimoji="0" lang="en-US" altLang="en-US" sz="1600" b="0" i="0" u="none" strike="noStrike" cap="none" normalizeH="0" baseline="0" dirty="0" err="1">
                 <a:ln>
                   <a:noFill/>
                 </a:ln>
@@ -8036,7 +8031,7 @@
               <a:t>Webots</a:t>
             </a:r>
             <a:r>
-              <a:rPr kumimoji="0" lang="en-US" altLang="en-US" sz="2800" b="0" i="0" u="none" strike="noStrike" cap="none" normalizeH="0" baseline="0" dirty="0">
+              <a:rPr kumimoji="0" lang="en-US" altLang="en-US" sz="1600" b="0" i="0" u="none" strike="noStrike" cap="none" normalizeH="0" baseline="0" dirty="0">
                 <a:ln>
                   <a:noFill/>
                 </a:ln>
@@ -8068,123 +8063,113 @@
                 <a:tab pos="228600" algn="l"/>
               </a:tabLst>
             </a:pPr>
-            <a:endParaRPr kumimoji="0" lang="en-US" altLang="en-US" sz="2800" b="0" i="0" u="none" strike="noStrike" cap="none" normalizeH="0" baseline="0" dirty="0">
-              <a:ln>
-                <a:noFill/>
-              </a:ln>
-              <a:solidFill>
-                <a:schemeClr val="tx1"/>
-              </a:solidFill>
-              <a:effectLst/>
+            <a:endParaRPr lang="en-US" altLang="en-US" sz="1600" dirty="0">
               <a:latin typeface="Times New Roman" panose="02020603050405020304" pitchFamily="18" charset="0"/>
+              <a:ea typeface="Times New Roman" panose="02020603050405020304" pitchFamily="18" charset="0"/>
               <a:cs typeface="Times New Roman" panose="02020603050405020304" pitchFamily="18" charset="0"/>
             </a:endParaRPr>
           </a:p>
           <a:p>
-            <a:r>
-              <a:rPr lang="en-US" sz="2800" dirty="0">
+            <a:pPr defTabSz="914400"/>
+            <a:r>
+              <a:rPr lang="en-US" sz="1600" dirty="0">
                 <a:effectLst/>
                 <a:latin typeface="Times New Roman" panose="02020603050405020304" pitchFamily="18" charset="0"/>
+                <a:ea typeface="Times New Roman" panose="02020603050405020304" pitchFamily="18" charset="0"/>
                 <a:cs typeface="Times New Roman" panose="02020603050405020304" pitchFamily="18" charset="0"/>
               </a:rPr>
-              <a:t>Kajal </a:t>
-            </a:r>
-            <a:r>
-              <a:rPr lang="en-US" sz="2800" dirty="0" err="1">
+              <a:t>D. </a:t>
+            </a:r>
+            <a:r>
+              <a:rPr lang="en-US" sz="1600" dirty="0" err="1">
                 <a:effectLst/>
                 <a:latin typeface="Times New Roman" panose="02020603050405020304" pitchFamily="18" charset="0"/>
+                <a:ea typeface="Times New Roman" panose="02020603050405020304" pitchFamily="18" charset="0"/>
                 <a:cs typeface="Times New Roman" panose="02020603050405020304" pitchFamily="18" charset="0"/>
               </a:rPr>
-              <a:t>Gada</a:t>
-            </a:r>
-            <a:r>
-              <a:rPr lang="en-US" sz="2800" dirty="0">
+              <a:t>Hutabarat</a:t>
+            </a:r>
+            <a:r>
+              <a:rPr lang="en-US" sz="1600" dirty="0">
                 <a:effectLst/>
                 <a:latin typeface="Times New Roman" panose="02020603050405020304" pitchFamily="18" charset="0"/>
+                <a:ea typeface="Times New Roman" panose="02020603050405020304" pitchFamily="18" charset="0"/>
                 <a:cs typeface="Times New Roman" panose="02020603050405020304" pitchFamily="18" charset="0"/>
               </a:rPr>
-              <a:t>. 2021. </a:t>
-            </a:r>
-            <a:r>
-              <a:rPr lang="en-US" sz="2800" b="0" i="0" dirty="0">
+              <a:t>, M. </a:t>
+            </a:r>
+            <a:r>
+              <a:rPr lang="en-US" sz="1600" dirty="0" err="1">
                 <a:effectLst/>
                 <a:latin typeface="Times New Roman" panose="02020603050405020304" pitchFamily="18" charset="0"/>
+                <a:ea typeface="Times New Roman" panose="02020603050405020304" pitchFamily="18" charset="0"/>
                 <a:cs typeface="Times New Roman" panose="02020603050405020304" pitchFamily="18" charset="0"/>
               </a:rPr>
-              <a:t>How to use Lidars in </a:t>
-            </a:r>
-            <a:r>
-              <a:rPr lang="en-US" sz="2800" b="0" i="0" dirty="0" err="1">
+              <a:t>Rivai</a:t>
+            </a:r>
+            <a:r>
+              <a:rPr lang="en-US" sz="1600" dirty="0">
                 <a:effectLst/>
                 <a:latin typeface="Times New Roman" panose="02020603050405020304" pitchFamily="18" charset="0"/>
+                <a:ea typeface="Times New Roman" panose="02020603050405020304" pitchFamily="18" charset="0"/>
                 <a:cs typeface="Times New Roman" panose="02020603050405020304" pitchFamily="18" charset="0"/>
               </a:rPr>
-              <a:t>Webots</a:t>
-            </a:r>
-            <a:r>
-              <a:rPr lang="en-US" sz="2800" b="0" i="0" dirty="0">
+              <a:t>, D. </a:t>
+            </a:r>
+            <a:r>
+              <a:rPr lang="en-US" sz="1600" dirty="0" err="1">
                 <a:effectLst/>
                 <a:latin typeface="Times New Roman" panose="02020603050405020304" pitchFamily="18" charset="0"/>
+                <a:ea typeface="Times New Roman" panose="02020603050405020304" pitchFamily="18" charset="0"/>
                 <a:cs typeface="Times New Roman" panose="02020603050405020304" pitchFamily="18" charset="0"/>
               </a:rPr>
-              <a:t>? // </a:t>
-            </a:r>
-            <a:r>
-              <a:rPr lang="en-US" sz="2800" b="0" i="0" dirty="0" err="1">
+              <a:t>Purwanto</a:t>
+            </a:r>
+            <a:r>
+              <a:rPr lang="en-US" sz="1600" dirty="0">
                 <a:effectLst/>
                 <a:latin typeface="Times New Roman" panose="02020603050405020304" pitchFamily="18" charset="0"/>
+                <a:ea typeface="Times New Roman" panose="02020603050405020304" pitchFamily="18" charset="0"/>
                 <a:cs typeface="Times New Roman" panose="02020603050405020304" pitchFamily="18" charset="0"/>
               </a:rPr>
-              <a:t>Webots</a:t>
-            </a:r>
-            <a:r>
-              <a:rPr lang="en-US" sz="2800" b="0" i="0" dirty="0">
+              <a:t> and H. </a:t>
+            </a:r>
+            <a:r>
+              <a:rPr lang="en-US" sz="1600" dirty="0" err="1">
                 <a:effectLst/>
                 <a:latin typeface="Times New Roman" panose="02020603050405020304" pitchFamily="18" charset="0"/>
+                <a:ea typeface="Times New Roman" panose="02020603050405020304" pitchFamily="18" charset="0"/>
                 <a:cs typeface="Times New Roman" panose="02020603050405020304" pitchFamily="18" charset="0"/>
               </a:rPr>
-              <a:t> Lidar Code in Python Tutorial (September 2021). Retrieved April 14, 2022 from </a:t>
-            </a:r>
-            <a:r>
-              <a:rPr lang="en-US" sz="2800" dirty="0">
-                <a:latin typeface="Times New Roman" panose="02020603050405020304" pitchFamily="18" charset="0"/>
+              <a:t>Hutomo</a:t>
+            </a:r>
+            <a:r>
+              <a:rPr lang="en-US" sz="1600" dirty="0">
+                <a:effectLst/>
+                <a:latin typeface="Times New Roman" panose="02020603050405020304" pitchFamily="18" charset="0"/>
+                <a:ea typeface="Times New Roman" panose="02020603050405020304" pitchFamily="18" charset="0"/>
                 <a:cs typeface="Times New Roman" panose="02020603050405020304" pitchFamily="18" charset="0"/>
               </a:rPr>
-              <a:t>How to use Lidars in </a:t>
-            </a:r>
-            <a:r>
-              <a:rPr lang="en-US" sz="2800" dirty="0" err="1">
-                <a:latin typeface="Times New Roman" panose="02020603050405020304" pitchFamily="18" charset="0"/>
+              <a:t>, "Lidar-based Obstacle Avoidance for the Autonomous Mobile Robot," 2019 12th International Conference on Information &amp; Communication Technology and System (ICTS), 2019, pp. 197-202, </a:t>
+            </a:r>
+            <a:r>
+              <a:rPr lang="en-US" sz="1600" dirty="0" err="1">
+                <a:effectLst/>
+                <a:latin typeface="Times New Roman" panose="02020603050405020304" pitchFamily="18" charset="0"/>
+                <a:ea typeface="Times New Roman" panose="02020603050405020304" pitchFamily="18" charset="0"/>
                 <a:cs typeface="Times New Roman" panose="02020603050405020304" pitchFamily="18" charset="0"/>
               </a:rPr>
-              <a:t>Webots</a:t>
-            </a:r>
-            <a:r>
-              <a:rPr lang="en-US" sz="2800" dirty="0">
-                <a:latin typeface="Times New Roman" panose="02020603050405020304" pitchFamily="18" charset="0"/>
+              <a:t>doi</a:t>
+            </a:r>
+            <a:r>
+              <a:rPr lang="en-US" sz="1600" dirty="0">
+                <a:effectLst/>
+                <a:latin typeface="Times New Roman" panose="02020603050405020304" pitchFamily="18" charset="0"/>
+                <a:ea typeface="Times New Roman" panose="02020603050405020304" pitchFamily="18" charset="0"/>
                 <a:cs typeface="Times New Roman" panose="02020603050405020304" pitchFamily="18" charset="0"/>
               </a:rPr>
-              <a:t>? // </a:t>
-            </a:r>
-            <a:r>
-              <a:rPr lang="en-US" sz="2800" dirty="0" err="1">
-                <a:latin typeface="Times New Roman" panose="02020603050405020304" pitchFamily="18" charset="0"/>
-                <a:cs typeface="Times New Roman" panose="02020603050405020304" pitchFamily="18" charset="0"/>
-              </a:rPr>
-              <a:t>Webots</a:t>
-            </a:r>
-            <a:r>
-              <a:rPr lang="en-US" sz="2800" dirty="0">
-                <a:latin typeface="Times New Roman" panose="02020603050405020304" pitchFamily="18" charset="0"/>
-                <a:cs typeface="Times New Roman" panose="02020603050405020304" pitchFamily="18" charset="0"/>
-              </a:rPr>
-              <a:t> Lidar Code in Python Tutorial - YouTube</a:t>
-            </a:r>
-            <a:endParaRPr lang="en-US" sz="2800" b="0" i="0" dirty="0">
-              <a:effectLst/>
-              <a:latin typeface="Times New Roman" panose="02020603050405020304" pitchFamily="18" charset="0"/>
-              <a:cs typeface="Times New Roman" panose="02020603050405020304" pitchFamily="18" charset="0"/>
-            </a:endParaRPr>
+              <a:t>: 10.1109/ICTS.2019.8850952.</a:t>
+            </a:r>
           </a:p>
           <a:p>
             <a:pPr marL="0" marR="0" lvl="0" indent="0" algn="l" defTabSz="914400" rtl="0" eaLnBrk="0" fontAlgn="base" latinLnBrk="0" hangingPunct="0">
@@ -8203,15 +8188,21 @@
                 <a:tab pos="228600" algn="l"/>
               </a:tabLst>
             </a:pPr>
-            <a:endParaRPr lang="en-US" altLang="en-US" sz="2800" dirty="0">
+            <a:endParaRPr kumimoji="0" lang="en-US" altLang="en-US" sz="1600" b="0" i="0" u="none" strike="noStrike" cap="none" normalizeH="0" baseline="0" dirty="0">
+              <a:ln>
+                <a:noFill/>
+              </a:ln>
+              <a:solidFill>
+                <a:schemeClr val="tx1"/>
+              </a:solidFill>
+              <a:effectLst/>
               <a:latin typeface="Times New Roman" panose="02020603050405020304" pitchFamily="18" charset="0"/>
               <a:cs typeface="Times New Roman" panose="02020603050405020304" pitchFamily="18" charset="0"/>
             </a:endParaRPr>
           </a:p>
           <a:p>
-            <a:pPr defTabSz="914400"/>
-            <a:r>
-              <a:rPr lang="en-US" sz="2800" dirty="0">
+            <a:r>
+              <a:rPr lang="en-US" sz="1600" dirty="0">
                 <a:effectLst/>
                 <a:latin typeface="Times New Roman" panose="02020603050405020304" pitchFamily="18" charset="0"/>
                 <a:cs typeface="Times New Roman" panose="02020603050405020304" pitchFamily="18" charset="0"/>
@@ -8219,7 +8210,7 @@
               <a:t>Kajal </a:t>
             </a:r>
             <a:r>
-              <a:rPr lang="en-US" sz="2800" dirty="0" err="1">
+              <a:rPr lang="en-US" sz="1600" dirty="0" err="1">
                 <a:effectLst/>
                 <a:latin typeface="Times New Roman" panose="02020603050405020304" pitchFamily="18" charset="0"/>
                 <a:cs typeface="Times New Roman" panose="02020603050405020304" pitchFamily="18" charset="0"/>
@@ -8227,31 +8218,39 @@
               <a:t>Gada</a:t>
             </a:r>
             <a:r>
-              <a:rPr lang="en-US" sz="2800" dirty="0">
+              <a:rPr lang="en-US" sz="1600" dirty="0">
                 <a:effectLst/>
                 <a:latin typeface="Times New Roman" panose="02020603050405020304" pitchFamily="18" charset="0"/>
                 <a:cs typeface="Times New Roman" panose="02020603050405020304" pitchFamily="18" charset="0"/>
               </a:rPr>
-              <a:t>. 2020. </a:t>
-            </a:r>
-            <a:r>
-              <a:rPr lang="en-US" sz="2800" dirty="0" err="1">
+              <a:t>. 2021. </a:t>
+            </a:r>
+            <a:r>
+              <a:rPr lang="en-US" sz="1600" b="0" i="0" dirty="0">
                 <a:effectLst/>
                 <a:latin typeface="Times New Roman" panose="02020603050405020304" pitchFamily="18" charset="0"/>
                 <a:cs typeface="Times New Roman" panose="02020603050405020304" pitchFamily="18" charset="0"/>
               </a:rPr>
+              <a:t>How to use Lidars in </a:t>
+            </a:r>
+            <a:r>
+              <a:rPr lang="en-US" sz="1600" b="0" i="0" dirty="0" err="1">
+                <a:effectLst/>
+                <a:latin typeface="Times New Roman" panose="02020603050405020304" pitchFamily="18" charset="0"/>
+                <a:cs typeface="Times New Roman" panose="02020603050405020304" pitchFamily="18" charset="0"/>
+              </a:rPr>
               <a:t>Webots</a:t>
             </a:r>
             <a:r>
-              <a:rPr lang="en-US" sz="2800" dirty="0">
+              <a:rPr lang="en-US" sz="1600" b="0" i="0" dirty="0">
                 <a:effectLst/>
                 <a:latin typeface="Times New Roman" panose="02020603050405020304" pitchFamily="18" charset="0"/>
                 <a:cs typeface="Times New Roman" panose="02020603050405020304" pitchFamily="18" charset="0"/>
               </a:rPr>
-              <a:t> tutorial 3: Controller code to drive a differential drive robot // </a:t>
-            </a:r>
-            <a:r>
-              <a:rPr lang="en-US" sz="2800" dirty="0" err="1">
+              <a:t>? // </a:t>
+            </a:r>
+            <a:r>
+              <a:rPr lang="en-US" sz="1600" b="0" i="0" dirty="0" err="1">
                 <a:effectLst/>
                 <a:latin typeface="Times New Roman" panose="02020603050405020304" pitchFamily="18" charset="0"/>
                 <a:cs typeface="Times New Roman" panose="02020603050405020304" pitchFamily="18" charset="0"/>
@@ -8259,13 +8258,53 @@
               <a:t>Webots</a:t>
             </a:r>
             <a:r>
-              <a:rPr lang="en-US" sz="2800" dirty="0">
+              <a:rPr lang="en-US" sz="1600" b="0" i="0" dirty="0">
                 <a:effectLst/>
                 <a:latin typeface="Times New Roman" panose="02020603050405020304" pitchFamily="18" charset="0"/>
                 <a:cs typeface="Times New Roman" panose="02020603050405020304" pitchFamily="18" charset="0"/>
               </a:rPr>
-              <a:t> tutorial python. (November 2020). Retrieved April 14, 2022 from https://www.youtube.com/watch?v=CDOrTKQAOqs </a:t>
-            </a:r>
+              <a:t> Lidar Code in Python Tutorial (September 2021). Retrieved April 14, 2022 from </a:t>
+            </a:r>
+            <a:r>
+              <a:rPr lang="en-US" sz="1600" dirty="0">
+                <a:latin typeface="Times New Roman" panose="02020603050405020304" pitchFamily="18" charset="0"/>
+                <a:cs typeface="Times New Roman" panose="02020603050405020304" pitchFamily="18" charset="0"/>
+              </a:rPr>
+              <a:t>How to use Lidars in </a:t>
+            </a:r>
+            <a:r>
+              <a:rPr lang="en-US" sz="1600" dirty="0" err="1">
+                <a:latin typeface="Times New Roman" panose="02020603050405020304" pitchFamily="18" charset="0"/>
+                <a:cs typeface="Times New Roman" panose="02020603050405020304" pitchFamily="18" charset="0"/>
+              </a:rPr>
+              <a:t>Webots</a:t>
+            </a:r>
+            <a:r>
+              <a:rPr lang="en-US" sz="1600" dirty="0">
+                <a:latin typeface="Times New Roman" panose="02020603050405020304" pitchFamily="18" charset="0"/>
+                <a:cs typeface="Times New Roman" panose="02020603050405020304" pitchFamily="18" charset="0"/>
+              </a:rPr>
+              <a:t>? // </a:t>
+            </a:r>
+            <a:r>
+              <a:rPr lang="en-US" sz="1600" dirty="0" err="1">
+                <a:latin typeface="Times New Roman" panose="02020603050405020304" pitchFamily="18" charset="0"/>
+                <a:cs typeface="Times New Roman" panose="02020603050405020304" pitchFamily="18" charset="0"/>
+              </a:rPr>
+              <a:t>Webots</a:t>
+            </a:r>
+            <a:r>
+              <a:rPr lang="en-US" sz="1600" dirty="0">
+                <a:latin typeface="Times New Roman" panose="02020603050405020304" pitchFamily="18" charset="0"/>
+                <a:cs typeface="Times New Roman" panose="02020603050405020304" pitchFamily="18" charset="0"/>
+              </a:rPr>
+              <a:t> Lidar Code in Python Tutorial - YouTube</a:t>
+            </a:r>
+            <a:endParaRPr lang="en-US" sz="1600" b="0" i="0" dirty="0">
+              <a:effectLst/>
+              <a:latin typeface="Times New Roman" panose="02020603050405020304" pitchFamily="18" charset="0"/>
+              <a:cs typeface="Times New Roman" panose="02020603050405020304" pitchFamily="18" charset="0"/>
+            </a:endParaRPr>
           </a:p>
           <a:p>
             <a:pPr marL="0" marR="0" lvl="0" indent="0" algn="l" defTabSz="914400" rtl="0" eaLnBrk="0" fontAlgn="base" latinLnBrk="0" hangingPunct="0">
@@ -8284,17 +8323,347 @@
                 <a:tab pos="228600" algn="l"/>
               </a:tabLst>
             </a:pPr>
-            <a:endParaRPr kumimoji="0" lang="en-US" altLang="en-US" sz="2800" b="0" i="0" u="none" strike="noStrike" cap="none" normalizeH="0" baseline="0" dirty="0">
-              <a:ln>
-                <a:noFill/>
-              </a:ln>
-              <a:solidFill>
-                <a:schemeClr val="tx1"/>
-              </a:solidFill>
+            <a:endParaRPr lang="en-US" altLang="en-US" sz="1600" dirty="0">
+              <a:latin typeface="Times New Roman" panose="02020603050405020304" pitchFamily="18" charset="0"/>
+              <a:cs typeface="Times New Roman" panose="02020603050405020304" pitchFamily="18" charset="0"/>
+            </a:endParaRPr>
+          </a:p>
+          <a:p>
+            <a:pPr defTabSz="914400"/>
+            <a:r>
+              <a:rPr lang="en-US" sz="1600" dirty="0">
+                <a:effectLst/>
+                <a:latin typeface="Times New Roman" panose="02020603050405020304" pitchFamily="18" charset="0"/>
+                <a:cs typeface="Times New Roman" panose="02020603050405020304" pitchFamily="18" charset="0"/>
+              </a:rPr>
+              <a:t>Kajal </a:t>
+            </a:r>
+            <a:r>
+              <a:rPr lang="en-US" sz="1600" dirty="0" err="1">
+                <a:effectLst/>
+                <a:latin typeface="Times New Roman" panose="02020603050405020304" pitchFamily="18" charset="0"/>
+                <a:cs typeface="Times New Roman" panose="02020603050405020304" pitchFamily="18" charset="0"/>
+              </a:rPr>
+              <a:t>Gada</a:t>
+            </a:r>
+            <a:r>
+              <a:rPr lang="en-US" sz="1600" dirty="0">
+                <a:effectLst/>
+                <a:latin typeface="Times New Roman" panose="02020603050405020304" pitchFamily="18" charset="0"/>
+                <a:cs typeface="Times New Roman" panose="02020603050405020304" pitchFamily="18" charset="0"/>
+              </a:rPr>
+              <a:t>. 2020. </a:t>
+            </a:r>
+            <a:r>
+              <a:rPr lang="en-US" sz="1600" dirty="0" err="1">
+                <a:effectLst/>
+                <a:latin typeface="Times New Roman" panose="02020603050405020304" pitchFamily="18" charset="0"/>
+                <a:cs typeface="Times New Roman" panose="02020603050405020304" pitchFamily="18" charset="0"/>
+              </a:rPr>
+              <a:t>Webots</a:t>
+            </a:r>
+            <a:r>
+              <a:rPr lang="en-US" sz="1600" dirty="0">
+                <a:effectLst/>
+                <a:latin typeface="Times New Roman" panose="02020603050405020304" pitchFamily="18" charset="0"/>
+                <a:cs typeface="Times New Roman" panose="02020603050405020304" pitchFamily="18" charset="0"/>
+              </a:rPr>
+              <a:t> tutorial 3: Controller code to drive a differential drive robot // </a:t>
+            </a:r>
+            <a:r>
+              <a:rPr lang="en-US" sz="1600" dirty="0" err="1">
+                <a:effectLst/>
+                <a:latin typeface="Times New Roman" panose="02020603050405020304" pitchFamily="18" charset="0"/>
+                <a:cs typeface="Times New Roman" panose="02020603050405020304" pitchFamily="18" charset="0"/>
+              </a:rPr>
+              <a:t>Webots</a:t>
+            </a:r>
+            <a:r>
+              <a:rPr lang="en-US" sz="1600" dirty="0">
+                <a:effectLst/>
+                <a:latin typeface="Times New Roman" panose="02020603050405020304" pitchFamily="18" charset="0"/>
+                <a:cs typeface="Times New Roman" panose="02020603050405020304" pitchFamily="18" charset="0"/>
+              </a:rPr>
+              <a:t> tutorial python. (November 2020). Retrieved April 14, 2022 from https://www.youtube.com/watch?v=CDOrTKQAOqs </a:t>
+            </a:r>
+          </a:p>
+          <a:p>
+            <a:pPr defTabSz="914400"/>
+            <a:endParaRPr lang="en-US" sz="1600" dirty="0">
+              <a:latin typeface="Times New Roman" panose="02020603050405020304" pitchFamily="18" charset="0"/>
+              <a:cs typeface="Times New Roman" panose="02020603050405020304" pitchFamily="18" charset="0"/>
+            </a:endParaRPr>
+          </a:p>
+          <a:p>
+            <a:pPr defTabSz="914400"/>
+            <a:r>
+              <a:rPr lang="en-US" sz="1600" dirty="0">
+                <a:effectLst/>
+                <a:latin typeface="Times New Roman" panose="02020603050405020304" pitchFamily="18" charset="0"/>
+                <a:ea typeface="Times New Roman" panose="02020603050405020304" pitchFamily="18" charset="0"/>
+                <a:cs typeface="Times New Roman" panose="02020603050405020304" pitchFamily="18" charset="0"/>
+              </a:rPr>
+              <a:t>Min </a:t>
+            </a:r>
+            <a:r>
+              <a:rPr lang="en-US" sz="1600" dirty="0" err="1">
+                <a:effectLst/>
+                <a:latin typeface="Times New Roman" panose="02020603050405020304" pitchFamily="18" charset="0"/>
+                <a:ea typeface="Times New Roman" panose="02020603050405020304" pitchFamily="18" charset="0"/>
+                <a:cs typeface="Times New Roman" panose="02020603050405020304" pitchFamily="18" charset="0"/>
+              </a:rPr>
+              <a:t>Gyu</a:t>
+            </a:r>
+            <a:r>
+              <a:rPr lang="en-US" sz="1600" dirty="0">
+                <a:effectLst/>
+                <a:latin typeface="Times New Roman" panose="02020603050405020304" pitchFamily="18" charset="0"/>
+                <a:ea typeface="Times New Roman" panose="02020603050405020304" pitchFamily="18" charset="0"/>
+                <a:cs typeface="Times New Roman" panose="02020603050405020304" pitchFamily="18" charset="0"/>
+              </a:rPr>
+              <a:t> Park, Jae Hyun Jeon and Min Cheol Lee, "Obstacle avoidance for mobile robots using artificial potential field approach with simulated annealing," ISIE 2001. 2001 IEEE International Symposium on Industrial Electronics Proceedings (Cat. No.01TH8570), 2001, pp. 1530-1535 vol.3, </a:t>
+            </a:r>
+            <a:r>
+              <a:rPr lang="en-US" sz="1600" dirty="0" err="1">
+                <a:effectLst/>
+                <a:latin typeface="Times New Roman" panose="02020603050405020304" pitchFamily="18" charset="0"/>
+                <a:ea typeface="Times New Roman" panose="02020603050405020304" pitchFamily="18" charset="0"/>
+                <a:cs typeface="Times New Roman" panose="02020603050405020304" pitchFamily="18" charset="0"/>
+              </a:rPr>
+              <a:t>doi</a:t>
+            </a:r>
+            <a:r>
+              <a:rPr lang="en-US" sz="1600" dirty="0">
+                <a:effectLst/>
+                <a:latin typeface="Times New Roman" panose="02020603050405020304" pitchFamily="18" charset="0"/>
+                <a:ea typeface="Times New Roman" panose="02020603050405020304" pitchFamily="18" charset="0"/>
+                <a:cs typeface="Times New Roman" panose="02020603050405020304" pitchFamily="18" charset="0"/>
+              </a:rPr>
+              <a:t>: 10.1109/ISIE.2001.931933.</a:t>
+            </a:r>
+          </a:p>
+          <a:p>
+            <a:pPr defTabSz="914400"/>
+            <a:endParaRPr lang="en-US" sz="1600" dirty="0">
+              <a:effectLst/>
+              <a:latin typeface="Times New Roman" panose="02020603050405020304" pitchFamily="18" charset="0"/>
+              <a:ea typeface="Times New Roman" panose="02020603050405020304" pitchFamily="18" charset="0"/>
+              <a:cs typeface="Times New Roman" panose="02020603050405020304" pitchFamily="18" charset="0"/>
+            </a:endParaRPr>
+          </a:p>
+          <a:p>
+            <a:pPr defTabSz="914400"/>
+            <a:r>
+              <a:rPr lang="en-US" sz="1600" dirty="0">
+                <a:effectLst/>
+                <a:latin typeface="Times New Roman" panose="02020603050405020304" pitchFamily="18" charset="0"/>
+                <a:cs typeface="Times New Roman" panose="02020603050405020304" pitchFamily="18" charset="0"/>
+              </a:rPr>
+              <a:t>N. </a:t>
+            </a:r>
+            <a:r>
+              <a:rPr lang="en-US" sz="1600" dirty="0" err="1">
+                <a:effectLst/>
+                <a:latin typeface="Times New Roman" panose="02020603050405020304" pitchFamily="18" charset="0"/>
+                <a:cs typeface="Times New Roman" panose="02020603050405020304" pitchFamily="18" charset="0"/>
+              </a:rPr>
+              <a:t>Baras</a:t>
+            </a:r>
+            <a:r>
+              <a:rPr lang="en-US" sz="1600" dirty="0">
+                <a:effectLst/>
+                <a:latin typeface="Times New Roman" panose="02020603050405020304" pitchFamily="18" charset="0"/>
+                <a:cs typeface="Times New Roman" panose="02020603050405020304" pitchFamily="18" charset="0"/>
+              </a:rPr>
+              <a:t>, G. </a:t>
+            </a:r>
+            <a:r>
+              <a:rPr lang="en-US" sz="1600" dirty="0" err="1">
+                <a:effectLst/>
+                <a:latin typeface="Times New Roman" panose="02020603050405020304" pitchFamily="18" charset="0"/>
+                <a:cs typeface="Times New Roman" panose="02020603050405020304" pitchFamily="18" charset="0"/>
+              </a:rPr>
+              <a:t>Nantzios</a:t>
+            </a:r>
+            <a:r>
+              <a:rPr lang="en-US" sz="1600" dirty="0">
+                <a:effectLst/>
+                <a:latin typeface="Times New Roman" panose="02020603050405020304" pitchFamily="18" charset="0"/>
+                <a:cs typeface="Times New Roman" panose="02020603050405020304" pitchFamily="18" charset="0"/>
+              </a:rPr>
+              <a:t>, D. </a:t>
+            </a:r>
+            <a:r>
+              <a:rPr lang="en-US" sz="1600" dirty="0" err="1">
+                <a:effectLst/>
+                <a:latin typeface="Times New Roman" panose="02020603050405020304" pitchFamily="18" charset="0"/>
+                <a:cs typeface="Times New Roman" panose="02020603050405020304" pitchFamily="18" charset="0"/>
+              </a:rPr>
+              <a:t>Ziouzios</a:t>
+            </a:r>
+            <a:r>
+              <a:rPr lang="en-US" sz="1600" dirty="0">
+                <a:effectLst/>
+                <a:latin typeface="Times New Roman" panose="02020603050405020304" pitchFamily="18" charset="0"/>
+                <a:cs typeface="Times New Roman" panose="02020603050405020304" pitchFamily="18" charset="0"/>
+              </a:rPr>
+              <a:t> and M. </a:t>
+            </a:r>
+            <a:r>
+              <a:rPr lang="en-US" sz="1600" dirty="0" err="1">
+                <a:effectLst/>
+                <a:latin typeface="Times New Roman" panose="02020603050405020304" pitchFamily="18" charset="0"/>
+                <a:cs typeface="Times New Roman" panose="02020603050405020304" pitchFamily="18" charset="0"/>
+              </a:rPr>
+              <a:t>Dasygenis</a:t>
+            </a:r>
+            <a:r>
+              <a:rPr lang="en-US" sz="1600" dirty="0">
+                <a:effectLst/>
+                <a:latin typeface="Times New Roman" panose="02020603050405020304" pitchFamily="18" charset="0"/>
+                <a:cs typeface="Times New Roman" panose="02020603050405020304" pitchFamily="18" charset="0"/>
+              </a:rPr>
+              <a:t>, "Autonomous Obstacle Avoidance Vehicle Using LIDAR and an Embedded System," 2019 8th International Conference on Modern Circuits and Systems Technologies (MOCAST), 2019, pp. 1-4, </a:t>
+            </a:r>
+            <a:r>
+              <a:rPr lang="en-US" sz="1600" dirty="0" err="1">
+                <a:effectLst/>
+                <a:latin typeface="Times New Roman" panose="02020603050405020304" pitchFamily="18" charset="0"/>
+                <a:cs typeface="Times New Roman" panose="02020603050405020304" pitchFamily="18" charset="0"/>
+              </a:rPr>
+              <a:t>doi</a:t>
+            </a:r>
+            <a:r>
+              <a:rPr lang="en-US" sz="1600" dirty="0">
+                <a:effectLst/>
+                <a:latin typeface="Times New Roman" panose="02020603050405020304" pitchFamily="18" charset="0"/>
+                <a:cs typeface="Times New Roman" panose="02020603050405020304" pitchFamily="18" charset="0"/>
+              </a:rPr>
+              <a:t>: 10.1109/MOCAST.2019.8742065.Fröhlich, B. and Plate, J. The cubic mouse: a new device for three-dimensional </a:t>
+            </a:r>
+            <a:r>
+              <a:rPr lang="en-US" sz="1600" dirty="0" err="1">
+                <a:effectLst/>
+                <a:latin typeface="Times New Roman" panose="02020603050405020304" pitchFamily="18" charset="0"/>
+                <a:cs typeface="Times New Roman" panose="02020603050405020304" pitchFamily="18" charset="0"/>
+              </a:rPr>
+              <a:t>iput</a:t>
+            </a:r>
+            <a:r>
+              <a:rPr lang="en-US" sz="1600" dirty="0">
+                <a:effectLst/>
+                <a:latin typeface="Times New Roman" panose="02020603050405020304" pitchFamily="18" charset="0"/>
+                <a:cs typeface="Times New Roman" panose="02020603050405020304" pitchFamily="18" charset="0"/>
+              </a:rPr>
+              <a:t>. In Proceedings of the SIGCHI conference on Human factors in computing systems </a:t>
+            </a:r>
+          </a:p>
+          <a:p>
+            <a:pPr defTabSz="914400"/>
+            <a:r>
+              <a:rPr lang="en-US" sz="1600" dirty="0">
+                <a:effectLst/>
+                <a:latin typeface="Times New Roman" panose="02020603050405020304" pitchFamily="18" charset="0"/>
+                <a:cs typeface="Times New Roman" panose="02020603050405020304" pitchFamily="18" charset="0"/>
+              </a:rPr>
+              <a:t>(CHI ’00) (The Hague, The Netherlands, April 1-6, 2000). ACM Press, New York, NY, 2000, 526-531</a:t>
+            </a:r>
+          </a:p>
+          <a:p>
+            <a:pPr defTabSz="914400"/>
+            <a:endParaRPr lang="en-US" sz="1600" dirty="0">
               <a:effectLst/>
               <a:latin typeface="Times New Roman" panose="02020603050405020304" pitchFamily="18" charset="0"/>
               <a:cs typeface="Times New Roman" panose="02020603050405020304" pitchFamily="18" charset="0"/>
             </a:endParaRPr>
+          </a:p>
+          <a:p>
+            <a:pPr marL="0" marR="0" lvl="0" indent="0" algn="l" defTabSz="914400" rtl="0" eaLnBrk="0" fontAlgn="base" latinLnBrk="0" hangingPunct="0">
+              <a:lnSpc>
+                <a:spcPct val="100000"/>
+              </a:lnSpc>
+              <a:spcBef>
+                <a:spcPct val="0"/>
+              </a:spcBef>
+              <a:spcAft>
+                <a:spcPct val="0"/>
+              </a:spcAft>
+              <a:buClrTx/>
+              <a:buSzTx/>
+              <a:tabLst>
+                <a:tab pos="228600" algn="l"/>
+              </a:tabLst>
+            </a:pPr>
+            <a:r>
+              <a:rPr kumimoji="0" lang="en-US" altLang="en-US" sz="1600" b="0" i="0" u="none" strike="noStrike" cap="none" normalizeH="0" baseline="0" dirty="0">
+                <a:ln>
+                  <a:noFill/>
+                </a:ln>
+                <a:solidFill>
+                  <a:schemeClr val="tx1"/>
+                </a:solidFill>
+                <a:effectLst/>
+                <a:latin typeface="Times New Roman" panose="02020603050405020304" pitchFamily="18" charset="0"/>
+                <a:cs typeface="Times New Roman" panose="02020603050405020304" pitchFamily="18" charset="0"/>
+              </a:rPr>
+              <a:t>P. Wu, S. </a:t>
+            </a:r>
+            <a:r>
+              <a:rPr kumimoji="0" lang="en-US" altLang="en-US" sz="1600" b="0" i="0" u="none" strike="noStrike" cap="none" normalizeH="0" baseline="0" dirty="0" err="1">
+                <a:ln>
+                  <a:noFill/>
+                </a:ln>
+                <a:solidFill>
+                  <a:schemeClr val="tx1"/>
+                </a:solidFill>
+                <a:effectLst/>
+                <a:latin typeface="Times New Roman" panose="02020603050405020304" pitchFamily="18" charset="0"/>
+                <a:cs typeface="Times New Roman" panose="02020603050405020304" pitchFamily="18" charset="0"/>
+              </a:rPr>
+              <a:t>Xie</a:t>
+            </a:r>
+            <a:r>
+              <a:rPr kumimoji="0" lang="en-US" altLang="en-US" sz="1600" b="0" i="0" u="none" strike="noStrike" cap="none" normalizeH="0" baseline="0" dirty="0">
+                <a:ln>
+                  <a:noFill/>
+                </a:ln>
+                <a:solidFill>
+                  <a:schemeClr val="tx1"/>
+                </a:solidFill>
+                <a:effectLst/>
+                <a:latin typeface="Times New Roman" panose="02020603050405020304" pitchFamily="18" charset="0"/>
+                <a:cs typeface="Times New Roman" panose="02020603050405020304" pitchFamily="18" charset="0"/>
+              </a:rPr>
+              <a:t>, H. Liu, J. Luo and Q. Li, "A novel algorithm of autonomous obstacle-avoidance for mobile robot based on LIDAR data," 2015 IEEE International Conference on Robotics and Biomimetics (ROBIO), 2015, pp. 2377-2382, </a:t>
+            </a:r>
+            <a:r>
+              <a:rPr kumimoji="0" lang="en-US" altLang="en-US" sz="1600" b="0" i="0" u="none" strike="noStrike" cap="none" normalizeH="0" baseline="0" dirty="0" err="1">
+                <a:ln>
+                  <a:noFill/>
+                </a:ln>
+                <a:solidFill>
+                  <a:schemeClr val="tx1"/>
+                </a:solidFill>
+                <a:effectLst/>
+                <a:latin typeface="Times New Roman" panose="02020603050405020304" pitchFamily="18" charset="0"/>
+                <a:cs typeface="Times New Roman" panose="02020603050405020304" pitchFamily="18" charset="0"/>
+              </a:rPr>
+              <a:t>doi</a:t>
+            </a:r>
+            <a:r>
+              <a:rPr kumimoji="0" lang="en-US" altLang="en-US" sz="1600" b="0" i="0" u="none" strike="noStrike" cap="none" normalizeH="0" baseline="0" dirty="0">
+                <a:ln>
+                  <a:noFill/>
+                </a:ln>
+                <a:solidFill>
+                  <a:schemeClr val="tx1"/>
+                </a:solidFill>
+                <a:effectLst/>
+                <a:latin typeface="Times New Roman" panose="02020603050405020304" pitchFamily="18" charset="0"/>
+                <a:cs typeface="Times New Roman" panose="02020603050405020304" pitchFamily="18" charset="0"/>
+              </a:rPr>
+              <a:t>: 10.1109/ROBIO.2015.7419694.Sannella, M. J. Constraint Satisfaction and Debugging for Interactive User Interfaces. Ph.D. Thesis, University of Washington, Seattle, WA, 1994.</a:t>
+            </a:r>
           </a:p>
         </p:txBody>
       </p:sp>
